--- a/Soutenance P3.pptx
+++ b/Soutenance P3.pptx
@@ -14,8 +14,9 @@
     <p:sldId id="268" r:id="rId8"/>
     <p:sldId id="270" r:id="rId9"/>
     <p:sldId id="271" r:id="rId10"/>
-    <p:sldId id="262" r:id="rId11"/>
-    <p:sldId id="263" r:id="rId12"/>
+    <p:sldId id="272" r:id="rId11"/>
+    <p:sldId id="273" r:id="rId12"/>
+    <p:sldId id="263" r:id="rId13"/>
   </p:sldIdLst>
   <p:sldSz cx="12192000" cy="6858000"/>
   <p:notesSz cx="6858000" cy="9144000"/>
@@ -114,6 +115,11 @@
       </a:defRPr>
     </a:lvl9pPr>
   </p:defaultTextStyle>
+  <p:extLst>
+    <p:ext uri="{EFAFB233-063F-42B5-8137-9DF3F51BA10A}">
+      <p15:sldGuideLst xmlns:p15="http://schemas.microsoft.com/office/powerpoint/2012/main"/>
+    </p:ext>
+  </p:extLst>
 </p:presentation>
 </file>
 
@@ -363,7 +369,7 @@
             <a:fld id="{B61BEF0D-F0BB-DE4B-95CE-6DB70DBA9567}" type="datetimeFigureOut">
               <a:rPr lang="en-US" dirty="0"/>
               <a:pPr/>
-              <a:t>11/2/20</a:t>
+              <a:t>12/7/20</a:t>
             </a:fld>
             <a:endParaRPr lang="en-US" dirty="0"/>
           </a:p>
@@ -622,7 +628,7 @@
             <a:fld id="{B61BEF0D-F0BB-DE4B-95CE-6DB70DBA9567}" type="datetimeFigureOut">
               <a:rPr lang="en-US" dirty="0"/>
               <a:pPr/>
-              <a:t>11/2/20</a:t>
+              <a:t>12/7/20</a:t>
             </a:fld>
             <a:endParaRPr lang="en-US" dirty="0"/>
           </a:p>
@@ -854,7 +860,7 @@
             <a:fld id="{B61BEF0D-F0BB-DE4B-95CE-6DB70DBA9567}" type="datetimeFigureOut">
               <a:rPr lang="en-US" dirty="0"/>
               <a:pPr/>
-              <a:t>11/2/20</a:t>
+              <a:t>12/7/20</a:t>
             </a:fld>
             <a:endParaRPr lang="en-US" dirty="0"/>
           </a:p>
@@ -1091,7 +1097,7 @@
             <a:fld id="{B61BEF0D-F0BB-DE4B-95CE-6DB70DBA9567}" type="datetimeFigureOut">
               <a:rPr lang="en-US" dirty="0"/>
               <a:pPr/>
-              <a:t>11/2/20</a:t>
+              <a:t>12/7/20</a:t>
             </a:fld>
             <a:endParaRPr lang="en-US" dirty="0"/>
           </a:p>
@@ -1395,7 +1401,7 @@
             <a:fld id="{B61BEF0D-F0BB-DE4B-95CE-6DB70DBA9567}" type="datetimeFigureOut">
               <a:rPr lang="en-US" dirty="0"/>
               <a:pPr/>
-              <a:t>11/2/20</a:t>
+              <a:t>12/7/20</a:t>
             </a:fld>
             <a:endParaRPr lang="en-US" dirty="0"/>
           </a:p>
@@ -1694,7 +1700,7 @@
             <a:fld id="{B61BEF0D-F0BB-DE4B-95CE-6DB70DBA9567}" type="datetimeFigureOut">
               <a:rPr lang="en-US" dirty="0"/>
               <a:pPr/>
-              <a:t>11/2/20</a:t>
+              <a:t>12/7/20</a:t>
             </a:fld>
             <a:endParaRPr lang="en-US" dirty="0"/>
           </a:p>
@@ -2113,7 +2119,7 @@
             <a:fld id="{B61BEF0D-F0BB-DE4B-95CE-6DB70DBA9567}" type="datetimeFigureOut">
               <a:rPr lang="en-US" dirty="0"/>
               <a:pPr/>
-              <a:t>11/2/20</a:t>
+              <a:t>12/7/20</a:t>
             </a:fld>
             <a:endParaRPr lang="en-US" dirty="0"/>
           </a:p>
@@ -2272,7 +2278,7 @@
             <a:fld id="{B61BEF0D-F0BB-DE4B-95CE-6DB70DBA9567}" type="datetimeFigureOut">
               <a:rPr lang="en-US" dirty="0"/>
               <a:pPr/>
-              <a:t>11/2/20</a:t>
+              <a:t>12/7/20</a:t>
             </a:fld>
             <a:endParaRPr lang="en-US" dirty="0"/>
           </a:p>
@@ -2364,7 +2370,7 @@
             <a:fld id="{B61BEF0D-F0BB-DE4B-95CE-6DB70DBA9567}" type="datetimeFigureOut">
               <a:rPr lang="en-US" dirty="0"/>
               <a:pPr/>
-              <a:t>11/2/20</a:t>
+              <a:t>12/7/20</a:t>
             </a:fld>
             <a:endParaRPr lang="en-US" dirty="0"/>
           </a:p>
@@ -2739,7 +2745,7 @@
             <a:fld id="{B61BEF0D-F0BB-DE4B-95CE-6DB70DBA9567}" type="datetimeFigureOut">
               <a:rPr lang="en-US" dirty="0"/>
               <a:pPr/>
-              <a:t>11/2/20</a:t>
+              <a:t>12/7/20</a:t>
             </a:fld>
             <a:endParaRPr lang="en-US" dirty="0"/>
           </a:p>
@@ -3025,7 +3031,7 @@
             <a:fld id="{B61BEF0D-F0BB-DE4B-95CE-6DB70DBA9567}" type="datetimeFigureOut">
               <a:rPr lang="en-US" dirty="0"/>
               <a:pPr/>
-              <a:t>11/2/20</a:t>
+              <a:t>12/7/20</a:t>
             </a:fld>
             <a:endParaRPr lang="en-US" dirty="0"/>
           </a:p>
@@ -3233,7 +3239,7 @@
             <a:fld id="{B61BEF0D-F0BB-DE4B-95CE-6DB70DBA9567}" type="datetimeFigureOut">
               <a:rPr lang="en-US" dirty="0"/>
               <a:pPr/>
-              <a:t>11/2/20</a:t>
+              <a:t>12/7/20</a:t>
             </a:fld>
             <a:endParaRPr lang="en-US" dirty="0"/>
           </a:p>
@@ -3902,6 +3908,14 @@
 <file path=ppt/slides/slide10.xml><?xml version="1.0" encoding="utf-8"?>
 <p:sld xmlns:a="http://schemas.openxmlformats.org/drawingml/2006/main" xmlns:r="http://schemas.openxmlformats.org/officeDocument/2006/relationships" xmlns:p="http://schemas.openxmlformats.org/presentationml/2006/main">
   <p:cSld>
+    <p:bg>
+      <p:bgPr>
+        <a:solidFill>
+          <a:schemeClr val="bg1"/>
+        </a:solidFill>
+        <a:effectLst/>
+      </p:bgPr>
+    </p:bg>
     <p:spTree>
       <p:nvGrpSpPr>
         <p:cNvPr id="1" name=""/>
@@ -3918,10 +3932,372 @@
       </p:grpSpPr>
       <p:sp>
         <p:nvSpPr>
+          <p:cNvPr id="61" name="Rectangle 60">
+            <a:extLst>
+              <a:ext uri="{FF2B5EF4-FFF2-40B4-BE49-F238E27FC236}">
+                <a16:creationId xmlns:a16="http://schemas.microsoft.com/office/drawing/2014/main" id="{2928117C-9446-4E7F-AE62-95E0F6DB5B27}"/>
+              </a:ext>
+              <a:ext uri="{C183D7F6-B498-43B3-948B-1728B52AA6E4}">
+                <adec:decorative xmlns:adec="http://schemas.microsoft.com/office/drawing/2017/decorative" val="1"/>
+              </a:ext>
+            </a:extLst>
+          </p:cNvPr>
+          <p:cNvSpPr>
+            <a:spLocks noGrp="1" noRot="1" noChangeAspect="1" noMove="1" noResize="1" noEditPoints="1" noAdjustHandles="1" noChangeArrowheads="1" noChangeShapeType="1" noTextEdit="1"/>
+          </p:cNvSpPr>
+          <p:nvPr>
+            <p:extLst>
+              <p:ext uri="{386F3935-93C4-4BCD-93E2-E3B085C9AB24}">
+                <p16:designElem xmlns:p16="http://schemas.microsoft.com/office/powerpoint/2015/main" val="1"/>
+              </p:ext>
+            </p:extLst>
+          </p:nvPr>
+        </p:nvSpPr>
+        <p:spPr>
+          <a:xfrm>
+            <a:off x="446534" y="457200"/>
+            <a:ext cx="3703320" cy="94997"/>
+          </a:xfrm>
+          <a:prstGeom prst="rect">
+            <a:avLst/>
+          </a:prstGeom>
+          <a:solidFill>
+            <a:schemeClr val="accent1"/>
+          </a:solidFill>
+          <a:ln>
+            <a:noFill/>
+          </a:ln>
+          <a:effectLst/>
+        </p:spPr>
+        <p:style>
+          <a:lnRef idx="1">
+            <a:schemeClr val="accent1"/>
+          </a:lnRef>
+          <a:fillRef idx="3">
+            <a:schemeClr val="accent1"/>
+          </a:fillRef>
+          <a:effectRef idx="2">
+            <a:schemeClr val="accent1"/>
+          </a:effectRef>
+          <a:fontRef idx="minor">
+            <a:schemeClr val="lt1"/>
+          </a:fontRef>
+        </p:style>
+      </p:sp>
+      <p:sp>
+        <p:nvSpPr>
+          <p:cNvPr id="63" name="Rectangle 62">
+            <a:extLst>
+              <a:ext uri="{FF2B5EF4-FFF2-40B4-BE49-F238E27FC236}">
+                <a16:creationId xmlns:a16="http://schemas.microsoft.com/office/drawing/2014/main" id="{84D30AFB-4D71-48B0-AA00-28EE92363A5F}"/>
+              </a:ext>
+              <a:ext uri="{C183D7F6-B498-43B3-948B-1728B52AA6E4}">
+                <adec:decorative xmlns:adec="http://schemas.microsoft.com/office/drawing/2017/decorative" val="1"/>
+              </a:ext>
+            </a:extLst>
+          </p:cNvPr>
+          <p:cNvSpPr>
+            <a:spLocks noGrp="1" noRot="1" noChangeAspect="1" noMove="1" noResize="1" noEditPoints="1" noAdjustHandles="1" noChangeArrowheads="1" noChangeShapeType="1" noTextEdit="1"/>
+          </p:cNvSpPr>
+          <p:nvPr>
+            <p:extLst>
+              <p:ext uri="{386F3935-93C4-4BCD-93E2-E3B085C9AB24}">
+                <p16:designElem xmlns:p16="http://schemas.microsoft.com/office/powerpoint/2015/main" val="1"/>
+              </p:ext>
+            </p:extLst>
+          </p:nvPr>
+        </p:nvSpPr>
+        <p:spPr>
+          <a:xfrm>
+            <a:off x="8042147" y="453643"/>
+            <a:ext cx="3703320" cy="98554"/>
+          </a:xfrm>
+          <a:prstGeom prst="rect">
+            <a:avLst/>
+          </a:prstGeom>
+          <a:solidFill>
+            <a:schemeClr val="accent4"/>
+          </a:solidFill>
+          <a:ln>
+            <a:noFill/>
+          </a:ln>
+          <a:effectLst/>
+        </p:spPr>
+        <p:style>
+          <a:lnRef idx="1">
+            <a:schemeClr val="accent1"/>
+          </a:lnRef>
+          <a:fillRef idx="3">
+            <a:schemeClr val="accent1"/>
+          </a:fillRef>
+          <a:effectRef idx="2">
+            <a:schemeClr val="accent1"/>
+          </a:effectRef>
+          <a:fontRef idx="minor">
+            <a:schemeClr val="lt1"/>
+          </a:fontRef>
+        </p:style>
+      </p:sp>
+      <p:sp>
+        <p:nvSpPr>
+          <p:cNvPr id="65" name="Rectangle 64">
+            <a:extLst>
+              <a:ext uri="{FF2B5EF4-FFF2-40B4-BE49-F238E27FC236}">
+                <a16:creationId xmlns:a16="http://schemas.microsoft.com/office/drawing/2014/main" id="{96A0B76F-8010-4C62-B4B6-C5FC438C059E}"/>
+              </a:ext>
+              <a:ext uri="{C183D7F6-B498-43B3-948B-1728B52AA6E4}">
+                <adec:decorative xmlns:adec="http://schemas.microsoft.com/office/drawing/2017/decorative" val="1"/>
+              </a:ext>
+            </a:extLst>
+          </p:cNvPr>
+          <p:cNvSpPr>
+            <a:spLocks noGrp="1" noRot="1" noChangeAspect="1" noMove="1" noResize="1" noEditPoints="1" noAdjustHandles="1" noChangeArrowheads="1" noChangeShapeType="1" noTextEdit="1"/>
+          </p:cNvSpPr>
+          <p:nvPr>
+            <p:extLst>
+              <p:ext uri="{386F3935-93C4-4BCD-93E2-E3B085C9AB24}">
+                <p16:designElem xmlns:p16="http://schemas.microsoft.com/office/powerpoint/2015/main" val="1"/>
+              </p:ext>
+            </p:extLst>
+          </p:nvPr>
+        </p:nvSpPr>
+        <p:spPr>
+          <a:xfrm>
+            <a:off x="4241830" y="457200"/>
+            <a:ext cx="3703320" cy="91440"/>
+          </a:xfrm>
+          <a:prstGeom prst="rect">
+            <a:avLst/>
+          </a:prstGeom>
+          <a:solidFill>
+            <a:schemeClr val="accent2"/>
+          </a:solidFill>
+          <a:ln>
+            <a:noFill/>
+          </a:ln>
+          <a:effectLst/>
+        </p:spPr>
+        <p:style>
+          <a:lnRef idx="1">
+            <a:schemeClr val="accent1"/>
+          </a:lnRef>
+          <a:fillRef idx="3">
+            <a:schemeClr val="accent1"/>
+          </a:fillRef>
+          <a:effectRef idx="2">
+            <a:schemeClr val="accent1"/>
+          </a:effectRef>
+          <a:fontRef idx="minor">
+            <a:schemeClr val="lt1"/>
+          </a:fontRef>
+        </p:style>
+      </p:sp>
+      <p:sp>
+        <p:nvSpPr>
+          <p:cNvPr id="67" name="Rectangle 66">
+            <a:extLst>
+              <a:ext uri="{FF2B5EF4-FFF2-40B4-BE49-F238E27FC236}">
+                <a16:creationId xmlns:a16="http://schemas.microsoft.com/office/drawing/2014/main" id="{9FC936C0-4624-438D-BDD0-6B296BD6409D}"/>
+              </a:ext>
+              <a:ext uri="{C183D7F6-B498-43B3-948B-1728B52AA6E4}">
+                <adec:decorative xmlns:adec="http://schemas.microsoft.com/office/drawing/2017/decorative" val="1"/>
+              </a:ext>
+            </a:extLst>
+          </p:cNvPr>
+          <p:cNvSpPr>
+            <a:spLocks noGrp="1" noRot="1" noChangeAspect="1" noMove="1" noResize="1" noEditPoints="1" noAdjustHandles="1" noChangeArrowheads="1" noChangeShapeType="1" noTextEdit="1"/>
+          </p:cNvSpPr>
+          <p:nvPr>
+            <p:extLst>
+              <p:ext uri="{386F3935-93C4-4BCD-93E2-E3B085C9AB24}">
+                <p16:designElem xmlns:p16="http://schemas.microsoft.com/office/powerpoint/2015/main" val="1"/>
+              </p:ext>
+            </p:extLst>
+          </p:nvPr>
+        </p:nvSpPr>
+        <p:spPr>
+          <a:xfrm>
+            <a:off x="446534" y="3085765"/>
+            <a:ext cx="11262866" cy="3304800"/>
+          </a:xfrm>
+          <a:prstGeom prst="rect">
+            <a:avLst/>
+          </a:prstGeom>
+          <a:solidFill>
+            <a:schemeClr val="accent1"/>
+          </a:solidFill>
+          <a:ln>
+            <a:noFill/>
+          </a:ln>
+          <a:effectLst/>
+        </p:spPr>
+        <p:style>
+          <a:lnRef idx="1">
+            <a:schemeClr val="accent1"/>
+          </a:lnRef>
+          <a:fillRef idx="3">
+            <a:schemeClr val="accent1"/>
+          </a:fillRef>
+          <a:effectRef idx="2">
+            <a:schemeClr val="accent1"/>
+          </a:effectRef>
+          <a:fontRef idx="minor">
+            <a:schemeClr val="lt1"/>
+          </a:fontRef>
+        </p:style>
+      </p:sp>
+      <p:sp>
+        <p:nvSpPr>
+          <p:cNvPr id="69" name="Rectangle 68">
+            <a:extLst>
+              <a:ext uri="{FF2B5EF4-FFF2-40B4-BE49-F238E27FC236}">
+                <a16:creationId xmlns:a16="http://schemas.microsoft.com/office/drawing/2014/main" id="{E08D4B6A-8113-4DFB-B82E-B60CAC8E0A50}"/>
+              </a:ext>
+              <a:ext uri="{C183D7F6-B498-43B3-948B-1728B52AA6E4}">
+                <adec:decorative xmlns:adec="http://schemas.microsoft.com/office/drawing/2017/decorative" val="1"/>
+              </a:ext>
+            </a:extLst>
+          </p:cNvPr>
+          <p:cNvSpPr>
+            <a:spLocks noGrp="1" noRot="1" noChangeAspect="1" noMove="1" noResize="1" noEditPoints="1" noAdjustHandles="1" noChangeArrowheads="1" noChangeShapeType="1" noTextEdit="1"/>
+          </p:cNvSpPr>
+          <p:nvPr>
+            <p:extLst>
+              <p:ext uri="{386F3935-93C4-4BCD-93E2-E3B085C9AB24}">
+                <p16:designElem xmlns:p16="http://schemas.microsoft.com/office/powerpoint/2015/main" val="1"/>
+              </p:ext>
+            </p:extLst>
+          </p:nvPr>
+        </p:nvSpPr>
+        <p:spPr>
+          <a:xfrm>
+            <a:off x="0" y="0"/>
+            <a:ext cx="12192000" cy="6858000"/>
+          </a:xfrm>
+          <a:prstGeom prst="rect">
+            <a:avLst/>
+          </a:prstGeom>
+          <a:solidFill>
+            <a:srgbClr val="FFFFFF"/>
+          </a:solidFill>
+          <a:ln>
+            <a:noFill/>
+          </a:ln>
+        </p:spPr>
+        <p:style>
+          <a:lnRef idx="2">
+            <a:schemeClr val="accent1">
+              <a:shade val="50000"/>
+            </a:schemeClr>
+          </a:lnRef>
+          <a:fillRef idx="1">
+            <a:schemeClr val="accent1"/>
+          </a:fillRef>
+          <a:effectRef idx="0">
+            <a:schemeClr val="accent1"/>
+          </a:effectRef>
+          <a:fontRef idx="minor">
+            <a:schemeClr val="lt1"/>
+          </a:fontRef>
+        </p:style>
+        <p:txBody>
+          <a:bodyPr rtlCol="0" anchor="ctr"/>
+          <a:lstStyle/>
+          <a:p>
+            <a:pPr marL="0" marR="0" lvl="0" indent="0" algn="ctr" defTabSz="457200" rtl="0" eaLnBrk="1" fontAlgn="auto" latinLnBrk="0" hangingPunct="1">
+              <a:lnSpc>
+                <a:spcPct val="100000"/>
+              </a:lnSpc>
+              <a:spcBef>
+                <a:spcPts val="0"/>
+              </a:spcBef>
+              <a:spcAft>
+                <a:spcPts val="0"/>
+              </a:spcAft>
+              <a:buClrTx/>
+              <a:buSzTx/>
+              <a:buFontTx/>
+              <a:buNone/>
+              <a:tabLst/>
+              <a:defRPr/>
+            </a:pPr>
+            <a:endParaRPr kumimoji="0" lang="en-US" sz="1800" b="0" i="0" u="none" strike="noStrike" kern="1200" cap="none" spc="0" normalizeH="0" baseline="0" noProof="0">
+              <a:ln>
+                <a:noFill/>
+              </a:ln>
+              <a:solidFill>
+                <a:prstClr val="white"/>
+              </a:solidFill>
+              <a:effectLst/>
+              <a:uLnTx/>
+              <a:uFillTx/>
+              <a:latin typeface="Gill Sans MT" panose="020B0502020104020203"/>
+              <a:ea typeface="+mn-ea"/>
+              <a:cs typeface="+mn-cs"/>
+            </a:endParaRPr>
+          </a:p>
+        </p:txBody>
+      </p:sp>
+      <p:sp>
+        <p:nvSpPr>
+          <p:cNvPr id="71" name="Rectangle 70">
+            <a:extLst>
+              <a:ext uri="{FF2B5EF4-FFF2-40B4-BE49-F238E27FC236}">
+                <a16:creationId xmlns:a16="http://schemas.microsoft.com/office/drawing/2014/main" id="{9822E561-F97C-4CBB-A9A6-A6BF6317BC84}"/>
+              </a:ext>
+              <a:ext uri="{C183D7F6-B498-43B3-948B-1728B52AA6E4}">
+                <adec:decorative xmlns:adec="http://schemas.microsoft.com/office/drawing/2017/decorative" val="1"/>
+              </a:ext>
+            </a:extLst>
+          </p:cNvPr>
+          <p:cNvSpPr>
+            <a:spLocks noGrp="1" noRot="1" noChangeAspect="1" noMove="1" noResize="1" noEditPoints="1" noAdjustHandles="1" noChangeArrowheads="1" noChangeShapeType="1" noTextEdit="1"/>
+          </p:cNvSpPr>
+          <p:nvPr>
+            <p:extLst>
+              <p:ext uri="{386F3935-93C4-4BCD-93E2-E3B085C9AB24}">
+                <p16:designElem xmlns:p16="http://schemas.microsoft.com/office/powerpoint/2015/main" val="1"/>
+              </p:ext>
+            </p:extLst>
+          </p:nvPr>
+        </p:nvSpPr>
+        <p:spPr>
+          <a:xfrm>
+            <a:off x="0" y="0"/>
+            <a:ext cx="12192000" cy="6858000"/>
+          </a:xfrm>
+          <a:prstGeom prst="rect">
+            <a:avLst/>
+          </a:prstGeom>
+          <a:solidFill>
+            <a:schemeClr val="accent1"/>
+          </a:solidFill>
+          <a:ln>
+            <a:noFill/>
+          </a:ln>
+          <a:effectLst/>
+        </p:spPr>
+        <p:style>
+          <a:lnRef idx="1">
+            <a:schemeClr val="accent1"/>
+          </a:lnRef>
+          <a:fillRef idx="3">
+            <a:schemeClr val="accent1"/>
+          </a:fillRef>
+          <a:effectRef idx="2">
+            <a:schemeClr val="accent1"/>
+          </a:effectRef>
+          <a:fontRef idx="minor">
+            <a:schemeClr val="lt1"/>
+          </a:fontRef>
+        </p:style>
+      </p:sp>
+      <p:sp>
+        <p:nvSpPr>
           <p:cNvPr id="2" name="Titre 1">
             <a:extLst>
               <a:ext uri="{FF2B5EF4-FFF2-40B4-BE49-F238E27FC236}">
-                <a16:creationId xmlns:a16="http://schemas.microsoft.com/office/drawing/2014/main" id="{23ABA33D-DF84-0947-887E-CCBE1CC1CE03}"/>
+                <a16:creationId xmlns:a16="http://schemas.microsoft.com/office/drawing/2014/main" id="{8C25D59C-C66A-0641-9475-0A3F0D4A5360}"/>
               </a:ext>
             </a:extLst>
           </p:cNvPr>
@@ -3932,14 +4308,26 @@
             <p:ph type="title"/>
           </p:nvPr>
         </p:nvSpPr>
-        <p:spPr/>
+        <p:spPr>
+          <a:xfrm>
+            <a:off x="638620" y="863695"/>
+            <a:ext cx="3511233" cy="3779995"/>
+          </a:xfrm>
+        </p:spPr>
         <p:txBody>
-          <a:bodyPr/>
+          <a:bodyPr vert="horz" lIns="91440" tIns="45720" rIns="91440" bIns="45720" rtlCol="0" anchor="ctr">
+            <a:normAutofit/>
+          </a:bodyPr>
           <a:lstStyle/>
           <a:p>
+            <a:pPr algn="ctr"/>
             <a:r>
-              <a:rPr lang="fr-FR" dirty="0"/>
-              <a:t>LES AXES D’AMÉLIORATION</a:t>
+              <a:rPr lang="en-US" dirty="0">
+                <a:solidFill>
+                  <a:srgbClr val="FFFFFF"/>
+                </a:solidFill>
+              </a:rPr>
+              <a:t>LES AXES D’AMÉLIORA-TION</a:t>
             </a:r>
           </a:p>
         </p:txBody>
@@ -3949,7 +4337,7 @@
           <p:cNvPr id="3" name="Espace réservé du texte 2">
             <a:extLst>
               <a:ext uri="{FF2B5EF4-FFF2-40B4-BE49-F238E27FC236}">
-                <a16:creationId xmlns:a16="http://schemas.microsoft.com/office/drawing/2014/main" id="{537BA578-AF19-AD4C-A868-C6F61AC56CB9}"/>
+                <a16:creationId xmlns:a16="http://schemas.microsoft.com/office/drawing/2014/main" id="{1601462E-5214-1A44-9995-41BE6700E7AB}"/>
               </a:ext>
             </a:extLst>
           </p:cNvPr>
@@ -3960,19 +4348,117 @@
             <p:ph type="body" idx="1"/>
           </p:nvPr>
         </p:nvSpPr>
-        <p:spPr/>
+        <p:spPr>
+          <a:xfrm>
+            <a:off x="638621" y="4739780"/>
+            <a:ext cx="3511233" cy="1147054"/>
+          </a:xfrm>
+        </p:spPr>
         <p:txBody>
-          <a:bodyPr/>
+          <a:bodyPr vert="horz" lIns="91440" tIns="45720" rIns="91440" bIns="45720" rtlCol="0" anchor="b">
+            <a:normAutofit/>
+          </a:bodyPr>
           <a:lstStyle/>
           <a:p>
-            <a:endParaRPr lang="fr-FR"/>
+            <a:endParaRPr lang="en-US" sz="2000">
+              <a:solidFill>
+                <a:schemeClr val="accent1">
+                  <a:lumMod val="75000"/>
+                  <a:lumOff val="25000"/>
+                </a:schemeClr>
+              </a:solidFill>
+            </a:endParaRPr>
           </a:p>
         </p:txBody>
       </p:sp>
+      <p:sp>
+        <p:nvSpPr>
+          <p:cNvPr id="73" name="Rectangle 72">
+            <a:extLst>
+              <a:ext uri="{FF2B5EF4-FFF2-40B4-BE49-F238E27FC236}">
+                <a16:creationId xmlns:a16="http://schemas.microsoft.com/office/drawing/2014/main" id="{B01B0E58-A5C8-4CDA-A2E0-35DF94E59857}"/>
+              </a:ext>
+              <a:ext uri="{C183D7F6-B498-43B3-948B-1728B52AA6E4}">
+                <adec:decorative xmlns:adec="http://schemas.microsoft.com/office/drawing/2017/decorative" val="1"/>
+              </a:ext>
+            </a:extLst>
+          </p:cNvPr>
+          <p:cNvSpPr>
+            <a:spLocks noGrp="1" noRot="1" noChangeAspect="1" noMove="1" noResize="1" noEditPoints="1" noAdjustHandles="1" noChangeArrowheads="1" noChangeShapeType="1" noTextEdit="1"/>
+          </p:cNvSpPr>
+          <p:nvPr>
+            <p:extLst>
+              <p:ext uri="{386F3935-93C4-4BCD-93E2-E3B085C9AB24}">
+                <p16:designElem xmlns:p16="http://schemas.microsoft.com/office/powerpoint/2015/main" val="1"/>
+              </p:ext>
+            </p:extLst>
+          </p:nvPr>
+        </p:nvSpPr>
+        <p:spPr>
+          <a:xfrm>
+            <a:off x="638620" y="457200"/>
+            <a:ext cx="3511233" cy="91439"/>
+          </a:xfrm>
+          <a:prstGeom prst="rect">
+            <a:avLst/>
+          </a:prstGeom>
+          <a:solidFill>
+            <a:schemeClr val="accent2"/>
+          </a:solidFill>
+          <a:ln>
+            <a:noFill/>
+          </a:ln>
+          <a:effectLst/>
+        </p:spPr>
+        <p:style>
+          <a:lnRef idx="1">
+            <a:schemeClr val="accent1"/>
+          </a:lnRef>
+          <a:fillRef idx="3">
+            <a:schemeClr val="accent1"/>
+          </a:fillRef>
+          <a:effectRef idx="2">
+            <a:schemeClr val="accent1"/>
+          </a:effectRef>
+          <a:fontRef idx="minor">
+            <a:schemeClr val="lt1"/>
+          </a:fontRef>
+        </p:style>
+      </p:sp>
+      <p:pic>
+        <p:nvPicPr>
+          <p:cNvPr id="5" name="Image 4">
+            <a:extLst>
+              <a:ext uri="{FF2B5EF4-FFF2-40B4-BE49-F238E27FC236}">
+                <a16:creationId xmlns:a16="http://schemas.microsoft.com/office/drawing/2014/main" id="{F092766B-50C0-854B-8F66-7E2D437FEBF9}"/>
+              </a:ext>
+            </a:extLst>
+          </p:cNvPr>
+          <p:cNvPicPr>
+            <a:picLocks noChangeAspect="1"/>
+          </p:cNvPicPr>
+          <p:nvPr/>
+        </p:nvPicPr>
+        <p:blipFill>
+          <a:blip r:embed="rId2"/>
+          <a:stretch>
+            <a:fillRect/>
+          </a:stretch>
+        </p:blipFill>
+        <p:spPr>
+          <a:xfrm>
+            <a:off x="4636917" y="467434"/>
+            <a:ext cx="7085538" cy="5899650"/>
+          </a:xfrm>
+          <a:prstGeom prst="rect">
+            <a:avLst/>
+          </a:prstGeom>
+        </p:spPr>
+      </p:pic>
     </p:spTree>
     <p:extLst>
       <p:ext uri="{BB962C8B-B14F-4D97-AF65-F5344CB8AC3E}">
-        <p14:creationId xmlns:p14="http://schemas.microsoft.com/office/powerpoint/2010/main" val="2480271827"/>
+        <p14:creationId xmlns:p14="http://schemas.microsoft.com/office/powerpoint/2010/main" val="545562202"/>
       </p:ext>
     </p:extLst>
   </p:cSld>
@@ -3983,6 +4469,611 @@
 </file>
 
 <file path=ppt/slides/slide11.xml><?xml version="1.0" encoding="utf-8"?>
+<p:sld xmlns:a="http://schemas.openxmlformats.org/drawingml/2006/main" xmlns:r="http://schemas.openxmlformats.org/officeDocument/2006/relationships" xmlns:p="http://schemas.openxmlformats.org/presentationml/2006/main">
+  <p:cSld>
+    <p:bg>
+      <p:bgPr>
+        <a:solidFill>
+          <a:schemeClr val="bg1"/>
+        </a:solidFill>
+        <a:effectLst/>
+      </p:bgPr>
+    </p:bg>
+    <p:spTree>
+      <p:nvGrpSpPr>
+        <p:cNvPr id="1" name=""/>
+        <p:cNvGrpSpPr/>
+        <p:nvPr/>
+      </p:nvGrpSpPr>
+      <p:grpSpPr>
+        <a:xfrm>
+          <a:off x="0" y="0"/>
+          <a:ext cx="0" cy="0"/>
+          <a:chOff x="0" y="0"/>
+          <a:chExt cx="0" cy="0"/>
+        </a:xfrm>
+      </p:grpSpPr>
+      <p:sp>
+        <p:nvSpPr>
+          <p:cNvPr id="36" name="Rectangle 35">
+            <a:extLst>
+              <a:ext uri="{FF2B5EF4-FFF2-40B4-BE49-F238E27FC236}">
+                <a16:creationId xmlns:a16="http://schemas.microsoft.com/office/drawing/2014/main" id="{1BB1D3B0-1E2E-48E2-ACCC-EE147A9A0CE0}"/>
+              </a:ext>
+              <a:ext uri="{C183D7F6-B498-43B3-948B-1728B52AA6E4}">
+                <adec:decorative xmlns:adec="http://schemas.microsoft.com/office/drawing/2017/decorative" val="1"/>
+              </a:ext>
+            </a:extLst>
+          </p:cNvPr>
+          <p:cNvSpPr>
+            <a:spLocks noGrp="1" noRot="1" noChangeAspect="1" noMove="1" noResize="1" noEditPoints="1" noAdjustHandles="1" noChangeArrowheads="1" noChangeShapeType="1" noTextEdit="1"/>
+          </p:cNvSpPr>
+          <p:nvPr>
+            <p:extLst>
+              <p:ext uri="{386F3935-93C4-4BCD-93E2-E3B085C9AB24}">
+                <p16:designElem xmlns:p16="http://schemas.microsoft.com/office/powerpoint/2015/main" val="1"/>
+              </p:ext>
+            </p:extLst>
+          </p:nvPr>
+        </p:nvSpPr>
+        <p:spPr>
+          <a:xfrm>
+            <a:off x="446534" y="457200"/>
+            <a:ext cx="3703320" cy="94997"/>
+          </a:xfrm>
+          <a:prstGeom prst="rect">
+            <a:avLst/>
+          </a:prstGeom>
+          <a:solidFill>
+            <a:schemeClr val="accent1"/>
+          </a:solidFill>
+          <a:ln>
+            <a:noFill/>
+          </a:ln>
+          <a:effectLst/>
+        </p:spPr>
+        <p:style>
+          <a:lnRef idx="1">
+            <a:schemeClr val="accent1"/>
+          </a:lnRef>
+          <a:fillRef idx="3">
+            <a:schemeClr val="accent1"/>
+          </a:fillRef>
+          <a:effectRef idx="2">
+            <a:schemeClr val="accent1"/>
+          </a:effectRef>
+          <a:fontRef idx="minor">
+            <a:schemeClr val="lt1"/>
+          </a:fontRef>
+        </p:style>
+      </p:sp>
+      <p:sp>
+        <p:nvSpPr>
+          <p:cNvPr id="38" name="Rectangle 37">
+            <a:extLst>
+              <a:ext uri="{FF2B5EF4-FFF2-40B4-BE49-F238E27FC236}">
+                <a16:creationId xmlns:a16="http://schemas.microsoft.com/office/drawing/2014/main" id="{4BB8B191-5BC6-486A-8E6E-13B1C9EEE83D}"/>
+              </a:ext>
+              <a:ext uri="{C183D7F6-B498-43B3-948B-1728B52AA6E4}">
+                <adec:decorative xmlns:adec="http://schemas.microsoft.com/office/drawing/2017/decorative" val="1"/>
+              </a:ext>
+            </a:extLst>
+          </p:cNvPr>
+          <p:cNvSpPr>
+            <a:spLocks noGrp="1" noRot="1" noChangeAspect="1" noMove="1" noResize="1" noEditPoints="1" noAdjustHandles="1" noChangeArrowheads="1" noChangeShapeType="1" noTextEdit="1"/>
+          </p:cNvSpPr>
+          <p:nvPr>
+            <p:extLst>
+              <p:ext uri="{386F3935-93C4-4BCD-93E2-E3B085C9AB24}">
+                <p16:designElem xmlns:p16="http://schemas.microsoft.com/office/powerpoint/2015/main" val="1"/>
+              </p:ext>
+            </p:extLst>
+          </p:nvPr>
+        </p:nvSpPr>
+        <p:spPr>
+          <a:xfrm>
+            <a:off x="8042147" y="453643"/>
+            <a:ext cx="3703320" cy="98554"/>
+          </a:xfrm>
+          <a:prstGeom prst="rect">
+            <a:avLst/>
+          </a:prstGeom>
+          <a:solidFill>
+            <a:schemeClr val="accent4"/>
+          </a:solidFill>
+          <a:ln>
+            <a:noFill/>
+          </a:ln>
+          <a:effectLst/>
+        </p:spPr>
+        <p:style>
+          <a:lnRef idx="1">
+            <a:schemeClr val="accent1"/>
+          </a:lnRef>
+          <a:fillRef idx="3">
+            <a:schemeClr val="accent1"/>
+          </a:fillRef>
+          <a:effectRef idx="2">
+            <a:schemeClr val="accent1"/>
+          </a:effectRef>
+          <a:fontRef idx="minor">
+            <a:schemeClr val="lt1"/>
+          </a:fontRef>
+        </p:style>
+      </p:sp>
+      <p:sp>
+        <p:nvSpPr>
+          <p:cNvPr id="40" name="Rectangle 39">
+            <a:extLst>
+              <a:ext uri="{FF2B5EF4-FFF2-40B4-BE49-F238E27FC236}">
+                <a16:creationId xmlns:a16="http://schemas.microsoft.com/office/drawing/2014/main" id="{06E3DE27-4115-4B5D-A9DB-3C7CDC82B121}"/>
+              </a:ext>
+              <a:ext uri="{C183D7F6-B498-43B3-948B-1728B52AA6E4}">
+                <adec:decorative xmlns:adec="http://schemas.microsoft.com/office/drawing/2017/decorative" val="1"/>
+              </a:ext>
+            </a:extLst>
+          </p:cNvPr>
+          <p:cNvSpPr>
+            <a:spLocks noGrp="1" noRot="1" noChangeAspect="1" noMove="1" noResize="1" noEditPoints="1" noAdjustHandles="1" noChangeArrowheads="1" noChangeShapeType="1" noTextEdit="1"/>
+          </p:cNvSpPr>
+          <p:nvPr>
+            <p:extLst>
+              <p:ext uri="{386F3935-93C4-4BCD-93E2-E3B085C9AB24}">
+                <p16:designElem xmlns:p16="http://schemas.microsoft.com/office/powerpoint/2015/main" val="1"/>
+              </p:ext>
+            </p:extLst>
+          </p:nvPr>
+        </p:nvSpPr>
+        <p:spPr>
+          <a:xfrm>
+            <a:off x="4241830" y="457200"/>
+            <a:ext cx="3703320" cy="91440"/>
+          </a:xfrm>
+          <a:prstGeom prst="rect">
+            <a:avLst/>
+          </a:prstGeom>
+          <a:solidFill>
+            <a:schemeClr val="accent2"/>
+          </a:solidFill>
+          <a:ln>
+            <a:noFill/>
+          </a:ln>
+          <a:effectLst/>
+        </p:spPr>
+        <p:style>
+          <a:lnRef idx="1">
+            <a:schemeClr val="accent1"/>
+          </a:lnRef>
+          <a:fillRef idx="3">
+            <a:schemeClr val="accent1"/>
+          </a:fillRef>
+          <a:effectRef idx="2">
+            <a:schemeClr val="accent1"/>
+          </a:effectRef>
+          <a:fontRef idx="minor">
+            <a:schemeClr val="lt1"/>
+          </a:fontRef>
+        </p:style>
+      </p:sp>
+      <p:sp>
+        <p:nvSpPr>
+          <p:cNvPr id="42" name="Rectangle 41">
+            <a:extLst>
+              <a:ext uri="{FF2B5EF4-FFF2-40B4-BE49-F238E27FC236}">
+                <a16:creationId xmlns:a16="http://schemas.microsoft.com/office/drawing/2014/main" id="{AA5196B7-638B-4DC2-897C-9F49E9D46FD9}"/>
+              </a:ext>
+              <a:ext uri="{C183D7F6-B498-43B3-948B-1728B52AA6E4}">
+                <adec:decorative xmlns:adec="http://schemas.microsoft.com/office/drawing/2017/decorative" val="1"/>
+              </a:ext>
+            </a:extLst>
+          </p:cNvPr>
+          <p:cNvSpPr>
+            <a:spLocks noGrp="1" noRot="1" noChangeAspect="1" noMove="1" noResize="1" noEditPoints="1" noAdjustHandles="1" noChangeArrowheads="1" noChangeShapeType="1" noTextEdit="1"/>
+          </p:cNvSpPr>
+          <p:nvPr>
+            <p:extLst>
+              <p:ext uri="{386F3935-93C4-4BCD-93E2-E3B085C9AB24}">
+                <p16:designElem xmlns:p16="http://schemas.microsoft.com/office/powerpoint/2015/main" val="1"/>
+              </p:ext>
+            </p:extLst>
+          </p:nvPr>
+        </p:nvSpPr>
+        <p:spPr>
+          <a:xfrm>
+            <a:off x="446534" y="3085765"/>
+            <a:ext cx="11262866" cy="3304800"/>
+          </a:xfrm>
+          <a:prstGeom prst="rect">
+            <a:avLst/>
+          </a:prstGeom>
+          <a:solidFill>
+            <a:schemeClr val="accent1"/>
+          </a:solidFill>
+          <a:ln>
+            <a:noFill/>
+          </a:ln>
+          <a:effectLst/>
+        </p:spPr>
+        <p:style>
+          <a:lnRef idx="1">
+            <a:schemeClr val="accent1"/>
+          </a:lnRef>
+          <a:fillRef idx="3">
+            <a:schemeClr val="accent1"/>
+          </a:fillRef>
+          <a:effectRef idx="2">
+            <a:schemeClr val="accent1"/>
+          </a:effectRef>
+          <a:fontRef idx="minor">
+            <a:schemeClr val="lt1"/>
+          </a:fontRef>
+        </p:style>
+      </p:sp>
+      <p:sp>
+        <p:nvSpPr>
+          <p:cNvPr id="2" name="Titre 1">
+            <a:extLst>
+              <a:ext uri="{FF2B5EF4-FFF2-40B4-BE49-F238E27FC236}">
+                <a16:creationId xmlns:a16="http://schemas.microsoft.com/office/drawing/2014/main" id="{82D5C7A9-C9AC-A242-BB4A-1077D8F5753B}"/>
+              </a:ext>
+            </a:extLst>
+          </p:cNvPr>
+          <p:cNvSpPr>
+            <a:spLocks noGrp="1"/>
+          </p:cNvSpPr>
+          <p:nvPr>
+            <p:ph type="title"/>
+          </p:nvPr>
+        </p:nvSpPr>
+        <p:spPr>
+          <a:xfrm>
+            <a:off x="581191" y="4610099"/>
+            <a:ext cx="10993549" cy="1066801"/>
+          </a:xfrm>
+        </p:spPr>
+        <p:txBody>
+          <a:bodyPr vert="horz" lIns="91440" tIns="45720" rIns="91440" bIns="45720" rtlCol="0" anchor="b">
+            <a:normAutofit/>
+          </a:bodyPr>
+          <a:lstStyle/>
+          <a:p>
+            <a:r>
+              <a:rPr lang="en-US" sz="3600" dirty="0">
+                <a:solidFill>
+                  <a:srgbClr val="FFFFFF"/>
+                </a:solidFill>
+              </a:rPr>
+              <a:t>UTILISATION DE PLUGINs</a:t>
+            </a:r>
+          </a:p>
+        </p:txBody>
+      </p:sp>
+      <p:sp useBgFill="1">
+        <p:nvSpPr>
+          <p:cNvPr id="44" name="Rectangle 43">
+            <a:extLst>
+              <a:ext uri="{FF2B5EF4-FFF2-40B4-BE49-F238E27FC236}">
+                <a16:creationId xmlns:a16="http://schemas.microsoft.com/office/drawing/2014/main" id="{C55F86D3-FCE1-4D7D-AF41-71DC2870646F}"/>
+              </a:ext>
+              <a:ext uri="{C183D7F6-B498-43B3-948B-1728B52AA6E4}">
+                <adec:decorative xmlns:adec="http://schemas.microsoft.com/office/drawing/2017/decorative" val="1"/>
+              </a:ext>
+            </a:extLst>
+          </p:cNvPr>
+          <p:cNvSpPr>
+            <a:spLocks noGrp="1" noRot="1" noChangeAspect="1" noMove="1" noResize="1" noEditPoints="1" noAdjustHandles="1" noChangeArrowheads="1" noChangeShapeType="1" noTextEdit="1"/>
+          </p:cNvSpPr>
+          <p:nvPr>
+            <p:extLst>
+              <p:ext uri="{386F3935-93C4-4BCD-93E2-E3B085C9AB24}">
+                <p16:designElem xmlns:p16="http://schemas.microsoft.com/office/powerpoint/2015/main" val="1"/>
+              </p:ext>
+            </p:extLst>
+          </p:nvPr>
+        </p:nvSpPr>
+        <p:spPr>
+          <a:xfrm>
+            <a:off x="0" y="723900"/>
+            <a:ext cx="12192000" cy="3708179"/>
+          </a:xfrm>
+          <a:prstGeom prst="rect">
+            <a:avLst/>
+          </a:prstGeom>
+          <a:ln>
+            <a:noFill/>
+          </a:ln>
+        </p:spPr>
+        <p:style>
+          <a:lnRef idx="2">
+            <a:schemeClr val="accent1">
+              <a:shade val="50000"/>
+            </a:schemeClr>
+          </a:lnRef>
+          <a:fillRef idx="1">
+            <a:schemeClr val="accent1"/>
+          </a:fillRef>
+          <a:effectRef idx="0">
+            <a:schemeClr val="accent1"/>
+          </a:effectRef>
+          <a:fontRef idx="minor">
+            <a:schemeClr val="lt1"/>
+          </a:fontRef>
+        </p:style>
+        <p:txBody>
+          <a:bodyPr rtlCol="0" anchor="ctr"/>
+          <a:lstStyle/>
+          <a:p>
+            <a:pPr algn="ctr"/>
+            <a:endParaRPr lang="en-US"/>
+          </a:p>
+        </p:txBody>
+      </p:sp>
+      <p:sp>
+        <p:nvSpPr>
+          <p:cNvPr id="46" name="Rectangle 45">
+            <a:extLst>
+              <a:ext uri="{FF2B5EF4-FFF2-40B4-BE49-F238E27FC236}">
+                <a16:creationId xmlns:a16="http://schemas.microsoft.com/office/drawing/2014/main" id="{A929C5D9-9F34-4291-89A1-8EC391C23807}"/>
+              </a:ext>
+              <a:ext uri="{C183D7F6-B498-43B3-948B-1728B52AA6E4}">
+                <adec:decorative xmlns:adec="http://schemas.microsoft.com/office/drawing/2017/decorative" val="1"/>
+              </a:ext>
+            </a:extLst>
+          </p:cNvPr>
+          <p:cNvSpPr>
+            <a:spLocks noGrp="1" noRot="1" noChangeAspect="1" noMove="1" noResize="1" noEditPoints="1" noAdjustHandles="1" noChangeArrowheads="1" noChangeShapeType="1" noTextEdit="1"/>
+          </p:cNvSpPr>
+          <p:nvPr>
+            <p:extLst>
+              <p:ext uri="{386F3935-93C4-4BCD-93E2-E3B085C9AB24}">
+                <p16:designElem xmlns:p16="http://schemas.microsoft.com/office/powerpoint/2015/main" val="1"/>
+              </p:ext>
+            </p:extLst>
+          </p:nvPr>
+        </p:nvSpPr>
+        <p:spPr>
+          <a:xfrm>
+            <a:off x="454392" y="641102"/>
+            <a:ext cx="3666744" cy="3698516"/>
+          </a:xfrm>
+          <a:prstGeom prst="rect">
+            <a:avLst/>
+          </a:prstGeom>
+          <a:noFill/>
+          <a:ln w="19050">
+            <a:solidFill>
+              <a:schemeClr val="accent4"/>
+            </a:solidFill>
+          </a:ln>
+        </p:spPr>
+        <p:style>
+          <a:lnRef idx="2">
+            <a:schemeClr val="accent1">
+              <a:shade val="50000"/>
+            </a:schemeClr>
+          </a:lnRef>
+          <a:fillRef idx="1">
+            <a:schemeClr val="accent1"/>
+          </a:fillRef>
+          <a:effectRef idx="0">
+            <a:schemeClr val="accent1"/>
+          </a:effectRef>
+          <a:fontRef idx="minor">
+            <a:schemeClr val="lt1"/>
+          </a:fontRef>
+        </p:style>
+        <p:txBody>
+          <a:bodyPr rtlCol="0" anchor="ctr"/>
+          <a:lstStyle/>
+          <a:p>
+            <a:pPr algn="ctr"/>
+            <a:endParaRPr lang="en-US"/>
+          </a:p>
+        </p:txBody>
+      </p:sp>
+      <p:pic>
+        <p:nvPicPr>
+          <p:cNvPr id="13" name="Espace réservé du contenu 12" descr="Une image contenant texte&#10;&#10;Description générée automatiquement">
+            <a:extLst>
+              <a:ext uri="{FF2B5EF4-FFF2-40B4-BE49-F238E27FC236}">
+                <a16:creationId xmlns:a16="http://schemas.microsoft.com/office/drawing/2014/main" id="{1F9E4782-39B8-D946-9A1C-4EA69E95D4F4}"/>
+              </a:ext>
+            </a:extLst>
+          </p:cNvPr>
+          <p:cNvPicPr>
+            <a:picLocks noGrp="1" noChangeAspect="1"/>
+          </p:cNvPicPr>
+          <p:nvPr>
+            <p:ph sz="half" idx="2"/>
+          </p:nvPr>
+        </p:nvPicPr>
+        <p:blipFill>
+          <a:blip r:embed="rId2"/>
+          <a:stretch>
+            <a:fillRect/>
+          </a:stretch>
+        </p:blipFill>
+        <p:spPr>
+          <a:xfrm>
+            <a:off x="775361" y="1451738"/>
+            <a:ext cx="3014297" cy="2087400"/>
+          </a:xfrm>
+          <a:prstGeom prst="rect">
+            <a:avLst/>
+          </a:prstGeom>
+        </p:spPr>
+      </p:pic>
+      <p:pic>
+        <p:nvPicPr>
+          <p:cNvPr id="7" name="Espace réservé du contenu 6">
+            <a:extLst>
+              <a:ext uri="{FF2B5EF4-FFF2-40B4-BE49-F238E27FC236}">
+                <a16:creationId xmlns:a16="http://schemas.microsoft.com/office/drawing/2014/main" id="{22D43DF7-3D28-F145-AFD2-D1764E94DA9C}"/>
+              </a:ext>
+            </a:extLst>
+          </p:cNvPr>
+          <p:cNvPicPr>
+            <a:picLocks noGrp="1" noChangeAspect="1"/>
+          </p:cNvPicPr>
+          <p:nvPr>
+            <p:ph sz="half" idx="1"/>
+          </p:nvPr>
+        </p:nvPicPr>
+        <p:blipFill>
+          <a:blip r:embed="rId3"/>
+          <a:stretch>
+            <a:fillRect/>
+          </a:stretch>
+        </p:blipFill>
+        <p:spPr>
+          <a:xfrm>
+            <a:off x="4580182" y="1293284"/>
+            <a:ext cx="6820731" cy="2404307"/>
+          </a:xfrm>
+          <a:prstGeom prst="rect">
+            <a:avLst/>
+          </a:prstGeom>
+        </p:spPr>
+      </p:pic>
+      <p:sp>
+        <p:nvSpPr>
+          <p:cNvPr id="48" name="Rectangle 47">
+            <a:extLst>
+              <a:ext uri="{FF2B5EF4-FFF2-40B4-BE49-F238E27FC236}">
+                <a16:creationId xmlns:a16="http://schemas.microsoft.com/office/drawing/2014/main" id="{2DEE3228-A905-44E8-9084-7184118C1958}"/>
+              </a:ext>
+              <a:ext uri="{C183D7F6-B498-43B3-948B-1728B52AA6E4}">
+                <adec:decorative xmlns:adec="http://schemas.microsoft.com/office/drawing/2017/decorative" val="1"/>
+              </a:ext>
+            </a:extLst>
+          </p:cNvPr>
+          <p:cNvSpPr>
+            <a:spLocks noGrp="1" noRot="1" noChangeAspect="1" noMove="1" noResize="1" noEditPoints="1" noAdjustHandles="1" noChangeArrowheads="1" noChangeShapeType="1" noTextEdit="1"/>
+          </p:cNvSpPr>
+          <p:nvPr>
+            <p:extLst>
+              <p:ext uri="{386F3935-93C4-4BCD-93E2-E3B085C9AB24}">
+                <p16:designElem xmlns:p16="http://schemas.microsoft.com/office/powerpoint/2015/main" val="1"/>
+              </p:ext>
+            </p:extLst>
+          </p:nvPr>
+        </p:nvSpPr>
+        <p:spPr>
+          <a:xfrm>
+            <a:off x="4248704" y="642071"/>
+            <a:ext cx="7475220" cy="3701443"/>
+          </a:xfrm>
+          <a:prstGeom prst="rect">
+            <a:avLst/>
+          </a:prstGeom>
+          <a:noFill/>
+          <a:ln w="19050">
+            <a:solidFill>
+              <a:schemeClr val="accent4"/>
+            </a:solidFill>
+          </a:ln>
+        </p:spPr>
+        <p:style>
+          <a:lnRef idx="2">
+            <a:schemeClr val="accent1">
+              <a:shade val="50000"/>
+            </a:schemeClr>
+          </a:lnRef>
+          <a:fillRef idx="1">
+            <a:schemeClr val="accent1"/>
+          </a:fillRef>
+          <a:effectRef idx="0">
+            <a:schemeClr val="accent1"/>
+          </a:effectRef>
+          <a:fontRef idx="minor">
+            <a:schemeClr val="lt1"/>
+          </a:fontRef>
+        </p:style>
+        <p:txBody>
+          <a:bodyPr rtlCol="0" anchor="ctr"/>
+          <a:lstStyle/>
+          <a:p>
+            <a:pPr algn="ctr"/>
+            <a:endParaRPr lang="en-US"/>
+          </a:p>
+        </p:txBody>
+      </p:sp>
+      <p:sp>
+        <p:nvSpPr>
+          <p:cNvPr id="50" name="Rectangle 49">
+            <a:extLst>
+              <a:ext uri="{FF2B5EF4-FFF2-40B4-BE49-F238E27FC236}">
+                <a16:creationId xmlns:a16="http://schemas.microsoft.com/office/drawing/2014/main" id="{EF51BA0D-CFE3-4E49-80A1-2F9C56EBBD6F}"/>
+              </a:ext>
+              <a:ext uri="{C183D7F6-B498-43B3-948B-1728B52AA6E4}">
+                <adec:decorative xmlns:adec="http://schemas.microsoft.com/office/drawing/2017/decorative" val="1"/>
+              </a:ext>
+            </a:extLst>
+          </p:cNvPr>
+          <p:cNvSpPr>
+            <a:spLocks noGrp="1" noRot="1" noChangeAspect="1" noMove="1" noResize="1" noEditPoints="1" noAdjustHandles="1" noChangeArrowheads="1" noChangeShapeType="1" noTextEdit="1"/>
+          </p:cNvSpPr>
+          <p:nvPr>
+            <p:extLst>
+              <p:ext uri="{386F3935-93C4-4BCD-93E2-E3B085C9AB24}">
+                <p16:designElem xmlns:p16="http://schemas.microsoft.com/office/powerpoint/2015/main" val="1"/>
+              </p:ext>
+            </p:extLst>
+          </p:nvPr>
+        </p:nvSpPr>
+        <p:spPr>
+          <a:xfrm>
+            <a:off x="11648660" y="4432079"/>
+            <a:ext cx="83731" cy="1960770"/>
+          </a:xfrm>
+          <a:prstGeom prst="rect">
+            <a:avLst/>
+          </a:prstGeom>
+          <a:solidFill>
+            <a:schemeClr val="accent1"/>
+          </a:solidFill>
+          <a:ln>
+            <a:noFill/>
+          </a:ln>
+          <a:effectLst/>
+        </p:spPr>
+        <p:style>
+          <a:lnRef idx="1">
+            <a:schemeClr val="accent1"/>
+          </a:lnRef>
+          <a:fillRef idx="3">
+            <a:schemeClr val="accent1"/>
+          </a:fillRef>
+          <a:effectRef idx="2">
+            <a:schemeClr val="accent1"/>
+          </a:effectRef>
+          <a:fontRef idx="minor">
+            <a:schemeClr val="lt1"/>
+          </a:fontRef>
+        </p:style>
+        <p:txBody>
+          <a:bodyPr rtlCol="0" anchor="ctr"/>
+          <a:lstStyle/>
+          <a:p>
+            <a:pPr algn="ctr"/>
+            <a:endParaRPr lang="en-US"/>
+          </a:p>
+        </p:txBody>
+      </p:sp>
+    </p:spTree>
+    <p:extLst>
+      <p:ext uri="{BB962C8B-B14F-4D97-AF65-F5344CB8AC3E}">
+        <p14:creationId xmlns:p14="http://schemas.microsoft.com/office/powerpoint/2010/main" val="3792957833"/>
+      </p:ext>
+    </p:extLst>
+  </p:cSld>
+  <p:clrMapOvr>
+    <a:masterClrMapping/>
+  </p:clrMapOvr>
+</p:sld>
+</file>
+
+<file path=ppt/slides/slide12.xml><?xml version="1.0" encoding="utf-8"?>
 <p:sld xmlns:a="http://schemas.openxmlformats.org/drawingml/2006/main" xmlns:r="http://schemas.openxmlformats.org/officeDocument/2006/relationships" xmlns:p="http://schemas.openxmlformats.org/presentationml/2006/main">
   <p:cSld>
     <p:spTree>
